--- a/Web Design/CSS/4. SASS/SASS.pptx
+++ b/Web Design/CSS/4. SASS/SASS.pptx
@@ -107,7 +107,7 @@
   </p:defaultTextStyle>
   <p:extLst>
     <p:ext uri="{EFAFB233-063F-42B5-8137-9DF3F51BA10A}">
-      <p15:sldGuideLst xmlns="" xmlns:p15="http://schemas.microsoft.com/office/powerpoint/2012/main"/>
+      <p15:sldGuideLst xmlns:p15="http://schemas.microsoft.com/office/powerpoint/2012/main" xmlns=""/>
     </p:ext>
   </p:extLst>
 </p:presentation>
@@ -702,7 +702,7 @@
     </p:spTree>
     <p:extLst>
       <p:ext uri="{BB962C8B-B14F-4D97-AF65-F5344CB8AC3E}">
-        <p14:creationId xmlns="" xmlns:p14="http://schemas.microsoft.com/office/powerpoint/2010/main" val="742087485"/>
+        <p14:creationId xmlns:p14="http://schemas.microsoft.com/office/powerpoint/2010/main" xmlns="" val="742087485"/>
       </p:ext>
     </p:extLst>
   </p:cSld>
@@ -1007,7 +1007,7 @@
     </p:spTree>
     <p:extLst>
       <p:ext uri="{BB962C8B-B14F-4D97-AF65-F5344CB8AC3E}">
-        <p14:creationId xmlns="" xmlns:p14="http://schemas.microsoft.com/office/powerpoint/2010/main" val="1188516380"/>
+        <p14:creationId xmlns:p14="http://schemas.microsoft.com/office/powerpoint/2010/main" xmlns="" val="1188516380"/>
       </p:ext>
     </p:extLst>
   </p:cSld>
@@ -1438,7 +1438,7 @@
     </p:spTree>
     <p:extLst>
       <p:ext uri="{BB962C8B-B14F-4D97-AF65-F5344CB8AC3E}">
-        <p14:creationId xmlns="" xmlns:p14="http://schemas.microsoft.com/office/powerpoint/2010/main" val="785295021"/>
+        <p14:creationId xmlns:p14="http://schemas.microsoft.com/office/powerpoint/2010/main" xmlns="" val="785295021"/>
       </p:ext>
     </p:extLst>
   </p:cSld>
@@ -1605,7 +1605,7 @@
     </p:spTree>
     <p:extLst>
       <p:ext uri="{BB962C8B-B14F-4D97-AF65-F5344CB8AC3E}">
-        <p14:creationId xmlns="" xmlns:p14="http://schemas.microsoft.com/office/powerpoint/2010/main" val="190992347"/>
+        <p14:creationId xmlns:p14="http://schemas.microsoft.com/office/powerpoint/2010/main" xmlns="" val="190992347"/>
       </p:ext>
     </p:extLst>
   </p:cSld>
@@ -3159,7 +3159,7 @@
     </p:spTree>
     <p:extLst>
       <p:ext uri="{BB962C8B-B14F-4D97-AF65-F5344CB8AC3E}">
-        <p14:creationId xmlns="" xmlns:p14="http://schemas.microsoft.com/office/powerpoint/2010/main" val="3801148103"/>
+        <p14:creationId xmlns:p14="http://schemas.microsoft.com/office/powerpoint/2010/main" xmlns="" val="3801148103"/>
       </p:ext>
     </p:extLst>
   </p:cSld>
@@ -4316,7 +4316,7 @@
           <a:blip r:embed="rId26">
             <a:extLst>
               <a:ext uri="{28A0092B-C50C-407E-A947-70E740481C1C}">
-                <a14:useLocalDpi xmlns="" xmlns:a14="http://schemas.microsoft.com/office/drawing/2010/main"/>
+                <a14:useLocalDpi xmlns:a14="http://schemas.microsoft.com/office/drawing/2010/main" xmlns=""/>
               </a:ext>
             </a:extLst>
           </a:blip>
@@ -4336,7 +4336,7 @@
           <a:noFill/>
           <a:extLst>
             <a:ext uri="{909E8E84-426E-40DD-AFC4-6F175D3DCCD1}">
-              <a14:hiddenFill xmlns="" xmlns:a14="http://schemas.microsoft.com/office/drawing/2010/main">
+              <a14:hiddenFill xmlns:a14="http://schemas.microsoft.com/office/drawing/2010/main" xmlns="">
                 <a:solidFill>
                   <a:srgbClr val="FFFFFF"/>
                 </a:solidFill>
@@ -4357,7 +4357,7 @@
           <a:blip r:embed="rId27" cstate="email">
             <a:extLst>
               <a:ext uri="{28A0092B-C50C-407E-A947-70E740481C1C}">
-                <a14:useLocalDpi xmlns="" xmlns:a14="http://schemas.microsoft.com/office/drawing/2010/main"/>
+                <a14:useLocalDpi xmlns:a14="http://schemas.microsoft.com/office/drawing/2010/main" xmlns=""/>
               </a:ext>
             </a:extLst>
           </a:blip>
@@ -4381,14 +4381,14 @@
           <a:effectLst/>
           <a:extLst>
             <a:ext uri="{909E8E84-426E-40DD-AFC4-6F175D3DCCD1}">
-              <a14:hiddenFill xmlns="" xmlns:a14="http://schemas.microsoft.com/office/drawing/2010/main">
+              <a14:hiddenFill xmlns:a14="http://schemas.microsoft.com/office/drawing/2010/main" xmlns="">
                 <a:solidFill>
                   <a:schemeClr val="accent1"/>
                 </a:solidFill>
               </a14:hiddenFill>
             </a:ext>
             <a:ext uri="{91240B29-F687-4F45-9708-019B960494DF}">
-              <a14:hiddenLine xmlns="" xmlns:a14="http://schemas.microsoft.com/office/drawing/2010/main" w="9525">
+              <a14:hiddenLine xmlns:a14="http://schemas.microsoft.com/office/drawing/2010/main" xmlns="" w="9525">
                 <a:solidFill>
                   <a:schemeClr val="tx1"/>
                 </a:solidFill>
@@ -4398,7 +4398,7 @@
               </a14:hiddenLine>
             </a:ext>
             <a:ext uri="{AF507438-7753-43E0-B8FC-AC1667EBCBE1}">
-              <a14:hiddenEffects xmlns="" xmlns:a14="http://schemas.microsoft.com/office/drawing/2010/main">
+              <a14:hiddenEffects xmlns:a14="http://schemas.microsoft.com/office/drawing/2010/main" xmlns="">
                 <a:effectLst>
                   <a:outerShdw dist="35921" dir="2700000" algn="ctr" rotWithShape="0">
                     <a:schemeClr val="bg2"/>
@@ -4421,7 +4421,7 @@
           <a:blip r:embed="rId28" cstate="email">
             <a:extLst>
               <a:ext uri="{28A0092B-C50C-407E-A947-70E740481C1C}">
-                <a14:useLocalDpi xmlns="" xmlns:a14="http://schemas.microsoft.com/office/drawing/2010/main"/>
+                <a14:useLocalDpi xmlns:a14="http://schemas.microsoft.com/office/drawing/2010/main" xmlns=""/>
               </a:ext>
             </a:extLst>
           </a:blip>
@@ -4445,14 +4445,14 @@
           <a:effectLst/>
           <a:extLst>
             <a:ext uri="{909E8E84-426E-40DD-AFC4-6F175D3DCCD1}">
-              <a14:hiddenFill xmlns="" xmlns:a14="http://schemas.microsoft.com/office/drawing/2010/main">
+              <a14:hiddenFill xmlns:a14="http://schemas.microsoft.com/office/drawing/2010/main" xmlns="">
                 <a:solidFill>
                   <a:schemeClr val="accent1"/>
                 </a:solidFill>
               </a14:hiddenFill>
             </a:ext>
             <a:ext uri="{91240B29-F687-4F45-9708-019B960494DF}">
-              <a14:hiddenLine xmlns="" xmlns:a14="http://schemas.microsoft.com/office/drawing/2010/main" w="9525">
+              <a14:hiddenLine xmlns:a14="http://schemas.microsoft.com/office/drawing/2010/main" xmlns="" w="9525">
                 <a:solidFill>
                   <a:schemeClr val="tx1"/>
                 </a:solidFill>
@@ -4462,7 +4462,7 @@
               </a14:hiddenLine>
             </a:ext>
             <a:ext uri="{AF507438-7753-43E0-B8FC-AC1667EBCBE1}">
-              <a14:hiddenEffects xmlns="" xmlns:a14="http://schemas.microsoft.com/office/drawing/2010/main">
+              <a14:hiddenEffects xmlns:a14="http://schemas.microsoft.com/office/drawing/2010/main" xmlns="">
                 <a:effectLst>
                   <a:outerShdw dist="35921" dir="2700000" algn="ctr" rotWithShape="0">
                     <a:schemeClr val="bg2"/>
@@ -4485,7 +4485,7 @@
           <a:blip r:embed="rId29">
             <a:extLst>
               <a:ext uri="{BEBA8EAE-BF5A-486C-A8C5-ECC9F3942E4B}">
-                <a14:imgProps xmlns="" xmlns:a14="http://schemas.microsoft.com/office/drawing/2010/main">
+                <a14:imgProps xmlns:a14="http://schemas.microsoft.com/office/drawing/2010/main" xmlns="">
                   <a14:imgLayer r:embed="rId30">
                     <a14:imgEffect>
                       <a14:brightnessContrast bright="20000"/>
@@ -4494,7 +4494,7 @@
                 </a14:imgProps>
               </a:ext>
               <a:ext uri="{28A0092B-C50C-407E-A947-70E740481C1C}">
-                <a14:useLocalDpi xmlns="" xmlns:a14="http://schemas.microsoft.com/office/drawing/2010/main"/>
+                <a14:useLocalDpi xmlns:a14="http://schemas.microsoft.com/office/drawing/2010/main" xmlns=""/>
               </a:ext>
             </a:extLst>
           </a:blip>
@@ -4522,7 +4522,7 @@
           </a:effectLst>
           <a:extLst>
             <a:ext uri="{909E8E84-426E-40DD-AFC4-6F175D3DCCD1}">
-              <a14:hiddenFill xmlns="" xmlns:a14="http://schemas.microsoft.com/office/drawing/2010/main">
+              <a14:hiddenFill xmlns:a14="http://schemas.microsoft.com/office/drawing/2010/main" xmlns="">
                 <a:solidFill>
                   <a:srgbClr val="FFFFFF"/>
                 </a:solidFill>
@@ -4534,7 +4534,7 @@
     </p:spTree>
     <p:extLst>
       <p:ext uri="{BB962C8B-B14F-4D97-AF65-F5344CB8AC3E}">
-        <p14:creationId xmlns="" xmlns:p14="http://schemas.microsoft.com/office/powerpoint/2010/main" val="1981075222"/>
+        <p14:creationId xmlns:p14="http://schemas.microsoft.com/office/powerpoint/2010/main" xmlns="" val="1981075222"/>
       </p:ext>
     </p:extLst>
   </p:cSld>
@@ -5089,11 +5089,7 @@
             <a:pPr lvl="2"/>
             <a:r>
               <a:rPr lang="en-US" dirty="0" smtClean="0"/>
-              <a:t>Create the SASS easy to change (backgrounds, fonts</a:t>
-            </a:r>
-            <a:r>
-              <a:rPr lang="en-US" dirty="0" smtClean="0"/>
-              <a:t>); Use </a:t>
+              <a:t>Create the SASS easy to change (backgrounds, fonts); Use </a:t>
             </a:r>
             <a:r>
               <a:rPr lang="en-US" dirty="0" err="1" smtClean="0"/>
@@ -5101,13 +5097,8 @@
             </a:r>
             <a:r>
               <a:rPr lang="en-US" dirty="0" smtClean="0"/>
-              <a:t> for clears, </a:t>
+              <a:t> for clears, gradients</a:t>
             </a:r>
-            <a:r>
-              <a:rPr lang="en-US" dirty="0" smtClean="0"/>
-              <a:t>gradients</a:t>
-            </a:r>
-            <a:endParaRPr lang="en-US" dirty="0" smtClean="0"/>
           </a:p>
           <a:p>
             <a:endParaRPr lang="en-US" dirty="0"/>
@@ -5126,7 +5117,7 @@
           <a:blip r:embed="rId2" cstate="screen">
             <a:extLst>
               <a:ext uri="{28A0092B-C50C-407E-A947-70E740481C1C}">
-                <a14:useLocalDpi xmlns="" xmlns:a14="http://schemas.microsoft.com/office/drawing/2010/main"/>
+                <a14:useLocalDpi xmlns:a14="http://schemas.microsoft.com/office/drawing/2010/main" xmlns=""/>
               </a:ext>
             </a:extLst>
           </a:blip>
@@ -5148,7 +5139,7 @@
     </p:spTree>
     <p:extLst>
       <p:ext uri="{BB962C8B-B14F-4D97-AF65-F5344CB8AC3E}">
-        <p14:creationId xmlns="" xmlns:p14="http://schemas.microsoft.com/office/powerpoint/2010/main" val="1739166483"/>
+        <p14:creationId xmlns:p14="http://schemas.microsoft.com/office/powerpoint/2010/main" xmlns="" val="1739166483"/>
       </p:ext>
     </p:extLst>
   </p:cSld>
@@ -5201,11 +5192,7 @@
             </a:pPr>
             <a:r>
               <a:rPr lang="en-US" dirty="0" smtClean="0"/>
-              <a:t>Create a web </a:t>
-            </a:r>
-            <a:r>
-              <a:rPr lang="en-US" dirty="0" smtClean="0"/>
-              <a:t>gallery by using </a:t>
+              <a:t>Create a web gallery by using </a:t>
             </a:r>
             <a:r>
               <a:rPr lang="en-US" dirty="0"/>
@@ -5213,11 +5200,7 @@
             </a:r>
             <a:r>
               <a:rPr lang="en-US" dirty="0" smtClean="0"/>
-              <a:t>CSS; List images; When </a:t>
-            </a:r>
-            <a:r>
-              <a:rPr lang="en-US" dirty="0" smtClean="0"/>
-              <a:t>a image is selected, show it zoomed</a:t>
+              <a:t>CSS; List images; When a image is selected, show it zoomed</a:t>
             </a:r>
           </a:p>
           <a:p>
@@ -5238,7 +5221,7 @@
           <a:blip r:embed="rId2" cstate="screen">
             <a:extLst>
               <a:ext uri="{28A0092B-C50C-407E-A947-70E740481C1C}">
-                <a14:useLocalDpi xmlns="" xmlns:a14="http://schemas.microsoft.com/office/drawing/2010/main"/>
+                <a14:useLocalDpi xmlns:a14="http://schemas.microsoft.com/office/drawing/2010/main" xmlns=""/>
               </a:ext>
             </a:extLst>
           </a:blip>
@@ -5259,7 +5242,7 @@
     </p:spTree>
     <p:extLst>
       <p:ext uri="{BB962C8B-B14F-4D97-AF65-F5344CB8AC3E}">
-        <p14:creationId xmlns="" xmlns:p14="http://schemas.microsoft.com/office/powerpoint/2010/main" val="3701625545"/>
+        <p14:creationId xmlns:p14="http://schemas.microsoft.com/office/powerpoint/2010/main" xmlns="" val="3701625545"/>
       </p:ext>
     </p:extLst>
   </p:cSld>
